--- a/PST3.pptx
+++ b/PST3.pptx
@@ -105,6 +105,11 @@
       </a:defRPr>
     </a:lvl9pPr>
   </p:defaultTextStyle>
+  <p:extLst>
+    <p:ext uri="{EFAFB233-063F-42B5-8137-9DF3F51BA10A}">
+      <p15:sldGuideLst xmlns:p15="http://schemas.microsoft.com/office/powerpoint/2012/main"/>
+    </p:ext>
+  </p:extLst>
 </p:presentation>
 </file>
 
@@ -150,10 +155,9 @@
           </a:lstStyle>
           <a:p>
             <a:r>
-              <a:rPr lang="zh-CN" altLang="en-US" smtClean="0"/>
+              <a:rPr lang="zh-CN" altLang="en-US"/>
               <a:t>单击此处编辑母版标题样式</a:t>
             </a:r>
-            <a:endParaRPr lang="zh-CN" altLang="en-US"/>
           </a:p>
         </p:txBody>
       </p:sp>
@@ -215,10 +219,9 @@
           </a:lstStyle>
           <a:p>
             <a:r>
-              <a:rPr lang="zh-CN" altLang="en-US" smtClean="0"/>
+              <a:rPr lang="zh-CN" altLang="en-US"/>
               <a:t>单击以编辑母版副标题样式</a:t>
             </a:r>
-            <a:endParaRPr lang="zh-CN" altLang="en-US"/>
           </a:p>
         </p:txBody>
       </p:sp>
@@ -239,7 +242,7 @@
           <a:p>
             <a:fld id="{B248617E-5511-4396-900D-3DB31ADAC6D9}" type="datetimeFigureOut">
               <a:rPr lang="zh-CN" altLang="en-US" smtClean="0"/>
-              <a:t>2025/7/3</a:t>
+              <a:t>2025/7/4</a:t>
             </a:fld>
             <a:endParaRPr lang="zh-CN" altLang="en-US"/>
           </a:p>
@@ -333,10 +336,9 @@
           <a:lstStyle/>
           <a:p>
             <a:r>
-              <a:rPr lang="zh-CN" altLang="en-US" smtClean="0"/>
+              <a:rPr lang="zh-CN" altLang="en-US"/>
               <a:t>单击此处编辑母版标题样式</a:t>
             </a:r>
-            <a:endParaRPr lang="zh-CN" altLang="en-US"/>
           </a:p>
         </p:txBody>
       </p:sp>
@@ -357,38 +359,37 @@
           <a:p>
             <a:pPr lvl="0"/>
             <a:r>
-              <a:rPr lang="zh-CN" altLang="en-US" smtClean="0"/>
+              <a:rPr lang="zh-CN" altLang="en-US"/>
               <a:t>编辑母版文本样式</a:t>
             </a:r>
           </a:p>
           <a:p>
             <a:pPr lvl="1"/>
             <a:r>
-              <a:rPr lang="zh-CN" altLang="en-US" smtClean="0"/>
+              <a:rPr lang="zh-CN" altLang="en-US"/>
               <a:t>第二级</a:t>
             </a:r>
           </a:p>
           <a:p>
             <a:pPr lvl="2"/>
             <a:r>
-              <a:rPr lang="zh-CN" altLang="en-US" smtClean="0"/>
+              <a:rPr lang="zh-CN" altLang="en-US"/>
               <a:t>第三级</a:t>
             </a:r>
           </a:p>
           <a:p>
             <a:pPr lvl="3"/>
             <a:r>
-              <a:rPr lang="zh-CN" altLang="en-US" smtClean="0"/>
+              <a:rPr lang="zh-CN" altLang="en-US"/>
               <a:t>第四级</a:t>
             </a:r>
           </a:p>
           <a:p>
             <a:pPr lvl="4"/>
             <a:r>
-              <a:rPr lang="zh-CN" altLang="en-US" smtClean="0"/>
+              <a:rPr lang="zh-CN" altLang="en-US"/>
               <a:t>第五级</a:t>
             </a:r>
-            <a:endParaRPr lang="zh-CN" altLang="en-US"/>
           </a:p>
         </p:txBody>
       </p:sp>
@@ -409,7 +410,7 @@
           <a:p>
             <a:fld id="{B248617E-5511-4396-900D-3DB31ADAC6D9}" type="datetimeFigureOut">
               <a:rPr lang="zh-CN" altLang="en-US" smtClean="0"/>
-              <a:t>2025/7/3</a:t>
+              <a:t>2025/7/4</a:t>
             </a:fld>
             <a:endParaRPr lang="zh-CN" altLang="en-US"/>
           </a:p>
@@ -508,10 +509,9 @@
           <a:lstStyle/>
           <a:p>
             <a:r>
-              <a:rPr lang="zh-CN" altLang="en-US" smtClean="0"/>
+              <a:rPr lang="zh-CN" altLang="en-US"/>
               <a:t>单击此处编辑母版标题样式</a:t>
             </a:r>
-            <a:endParaRPr lang="zh-CN" altLang="en-US"/>
           </a:p>
         </p:txBody>
       </p:sp>
@@ -537,38 +537,37 @@
           <a:p>
             <a:pPr lvl="0"/>
             <a:r>
-              <a:rPr lang="zh-CN" altLang="en-US" smtClean="0"/>
+              <a:rPr lang="zh-CN" altLang="en-US"/>
               <a:t>编辑母版文本样式</a:t>
             </a:r>
           </a:p>
           <a:p>
             <a:pPr lvl="1"/>
             <a:r>
-              <a:rPr lang="zh-CN" altLang="en-US" smtClean="0"/>
+              <a:rPr lang="zh-CN" altLang="en-US"/>
               <a:t>第二级</a:t>
             </a:r>
           </a:p>
           <a:p>
             <a:pPr lvl="2"/>
             <a:r>
-              <a:rPr lang="zh-CN" altLang="en-US" smtClean="0"/>
+              <a:rPr lang="zh-CN" altLang="en-US"/>
               <a:t>第三级</a:t>
             </a:r>
           </a:p>
           <a:p>
             <a:pPr lvl="3"/>
             <a:r>
-              <a:rPr lang="zh-CN" altLang="en-US" smtClean="0"/>
+              <a:rPr lang="zh-CN" altLang="en-US"/>
               <a:t>第四级</a:t>
             </a:r>
           </a:p>
           <a:p>
             <a:pPr lvl="4"/>
             <a:r>
-              <a:rPr lang="zh-CN" altLang="en-US" smtClean="0"/>
+              <a:rPr lang="zh-CN" altLang="en-US"/>
               <a:t>第五级</a:t>
             </a:r>
-            <a:endParaRPr lang="zh-CN" altLang="en-US"/>
           </a:p>
         </p:txBody>
       </p:sp>
@@ -589,7 +588,7 @@
           <a:p>
             <a:fld id="{B248617E-5511-4396-900D-3DB31ADAC6D9}" type="datetimeFigureOut">
               <a:rPr lang="zh-CN" altLang="en-US" smtClean="0"/>
-              <a:t>2025/7/3</a:t>
+              <a:t>2025/7/4</a:t>
             </a:fld>
             <a:endParaRPr lang="zh-CN" altLang="en-US"/>
           </a:p>
@@ -683,10 +682,9 @@
           <a:lstStyle/>
           <a:p>
             <a:r>
-              <a:rPr lang="zh-CN" altLang="en-US" smtClean="0"/>
+              <a:rPr lang="zh-CN" altLang="en-US"/>
               <a:t>单击此处编辑母版标题样式</a:t>
             </a:r>
-            <a:endParaRPr lang="zh-CN" altLang="en-US"/>
           </a:p>
         </p:txBody>
       </p:sp>
@@ -707,38 +705,37 @@
           <a:p>
             <a:pPr lvl="0"/>
             <a:r>
-              <a:rPr lang="zh-CN" altLang="en-US" smtClean="0"/>
+              <a:rPr lang="zh-CN" altLang="en-US"/>
               <a:t>编辑母版文本样式</a:t>
             </a:r>
           </a:p>
           <a:p>
             <a:pPr lvl="1"/>
             <a:r>
-              <a:rPr lang="zh-CN" altLang="en-US" smtClean="0"/>
+              <a:rPr lang="zh-CN" altLang="en-US"/>
               <a:t>第二级</a:t>
             </a:r>
           </a:p>
           <a:p>
             <a:pPr lvl="2"/>
             <a:r>
-              <a:rPr lang="zh-CN" altLang="en-US" smtClean="0"/>
+              <a:rPr lang="zh-CN" altLang="en-US"/>
               <a:t>第三级</a:t>
             </a:r>
           </a:p>
           <a:p>
             <a:pPr lvl="3"/>
             <a:r>
-              <a:rPr lang="zh-CN" altLang="en-US" smtClean="0"/>
+              <a:rPr lang="zh-CN" altLang="en-US"/>
               <a:t>第四级</a:t>
             </a:r>
           </a:p>
           <a:p>
             <a:pPr lvl="4"/>
             <a:r>
-              <a:rPr lang="zh-CN" altLang="en-US" smtClean="0"/>
+              <a:rPr lang="zh-CN" altLang="en-US"/>
               <a:t>第五级</a:t>
             </a:r>
-            <a:endParaRPr lang="zh-CN" altLang="en-US"/>
           </a:p>
         </p:txBody>
       </p:sp>
@@ -759,7 +756,7 @@
           <a:p>
             <a:fld id="{B248617E-5511-4396-900D-3DB31ADAC6D9}" type="datetimeFigureOut">
               <a:rPr lang="zh-CN" altLang="en-US" smtClean="0"/>
-              <a:t>2025/7/3</a:t>
+              <a:t>2025/7/4</a:t>
             </a:fld>
             <a:endParaRPr lang="zh-CN" altLang="en-US"/>
           </a:p>
@@ -862,10 +859,9 @@
           </a:lstStyle>
           <a:p>
             <a:r>
-              <a:rPr lang="zh-CN" altLang="en-US" smtClean="0"/>
+              <a:rPr lang="zh-CN" altLang="en-US"/>
               <a:t>单击此处编辑母版标题样式</a:t>
             </a:r>
-            <a:endParaRPr lang="zh-CN" altLang="en-US"/>
           </a:p>
         </p:txBody>
       </p:sp>
@@ -982,7 +978,7 @@
           <a:p>
             <a:pPr lvl="0"/>
             <a:r>
-              <a:rPr lang="zh-CN" altLang="en-US" smtClean="0"/>
+              <a:rPr lang="zh-CN" altLang="en-US"/>
               <a:t>编辑母版文本样式</a:t>
             </a:r>
           </a:p>
@@ -1005,7 +1001,7 @@
           <a:p>
             <a:fld id="{B248617E-5511-4396-900D-3DB31ADAC6D9}" type="datetimeFigureOut">
               <a:rPr lang="zh-CN" altLang="en-US" smtClean="0"/>
-              <a:t>2025/7/3</a:t>
+              <a:t>2025/7/4</a:t>
             </a:fld>
             <a:endParaRPr lang="zh-CN" altLang="en-US"/>
           </a:p>
@@ -1099,10 +1095,9 @@
           <a:lstStyle/>
           <a:p>
             <a:r>
-              <a:rPr lang="zh-CN" altLang="en-US" smtClean="0"/>
+              <a:rPr lang="zh-CN" altLang="en-US"/>
               <a:t>单击此处编辑母版标题样式</a:t>
             </a:r>
-            <a:endParaRPr lang="zh-CN" altLang="en-US"/>
           </a:p>
         </p:txBody>
       </p:sp>
@@ -1128,38 +1123,37 @@
           <a:p>
             <a:pPr lvl="0"/>
             <a:r>
-              <a:rPr lang="zh-CN" altLang="en-US" smtClean="0"/>
+              <a:rPr lang="zh-CN" altLang="en-US"/>
               <a:t>编辑母版文本样式</a:t>
             </a:r>
           </a:p>
           <a:p>
             <a:pPr lvl="1"/>
             <a:r>
-              <a:rPr lang="zh-CN" altLang="en-US" smtClean="0"/>
+              <a:rPr lang="zh-CN" altLang="en-US"/>
               <a:t>第二级</a:t>
             </a:r>
           </a:p>
           <a:p>
             <a:pPr lvl="2"/>
             <a:r>
-              <a:rPr lang="zh-CN" altLang="en-US" smtClean="0"/>
+              <a:rPr lang="zh-CN" altLang="en-US"/>
               <a:t>第三级</a:t>
             </a:r>
           </a:p>
           <a:p>
             <a:pPr lvl="3"/>
             <a:r>
-              <a:rPr lang="zh-CN" altLang="en-US" smtClean="0"/>
+              <a:rPr lang="zh-CN" altLang="en-US"/>
               <a:t>第四级</a:t>
             </a:r>
           </a:p>
           <a:p>
             <a:pPr lvl="4"/>
             <a:r>
-              <a:rPr lang="zh-CN" altLang="en-US" smtClean="0"/>
+              <a:rPr lang="zh-CN" altLang="en-US"/>
               <a:t>第五级</a:t>
             </a:r>
-            <a:endParaRPr lang="zh-CN" altLang="en-US"/>
           </a:p>
         </p:txBody>
       </p:sp>
@@ -1185,38 +1179,37 @@
           <a:p>
             <a:pPr lvl="0"/>
             <a:r>
-              <a:rPr lang="zh-CN" altLang="en-US" smtClean="0"/>
+              <a:rPr lang="zh-CN" altLang="en-US"/>
               <a:t>编辑母版文本样式</a:t>
             </a:r>
           </a:p>
           <a:p>
             <a:pPr lvl="1"/>
             <a:r>
-              <a:rPr lang="zh-CN" altLang="en-US" smtClean="0"/>
+              <a:rPr lang="zh-CN" altLang="en-US"/>
               <a:t>第二级</a:t>
             </a:r>
           </a:p>
           <a:p>
             <a:pPr lvl="2"/>
             <a:r>
-              <a:rPr lang="zh-CN" altLang="en-US" smtClean="0"/>
+              <a:rPr lang="zh-CN" altLang="en-US"/>
               <a:t>第三级</a:t>
             </a:r>
           </a:p>
           <a:p>
             <a:pPr lvl="3"/>
             <a:r>
-              <a:rPr lang="zh-CN" altLang="en-US" smtClean="0"/>
+              <a:rPr lang="zh-CN" altLang="en-US"/>
               <a:t>第四级</a:t>
             </a:r>
           </a:p>
           <a:p>
             <a:pPr lvl="4"/>
             <a:r>
-              <a:rPr lang="zh-CN" altLang="en-US" smtClean="0"/>
+              <a:rPr lang="zh-CN" altLang="en-US"/>
               <a:t>第五级</a:t>
             </a:r>
-            <a:endParaRPr lang="zh-CN" altLang="en-US"/>
           </a:p>
         </p:txBody>
       </p:sp>
@@ -1237,7 +1230,7 @@
           <a:p>
             <a:fld id="{B248617E-5511-4396-900D-3DB31ADAC6D9}" type="datetimeFigureOut">
               <a:rPr lang="zh-CN" altLang="en-US" smtClean="0"/>
-              <a:t>2025/7/3</a:t>
+              <a:t>2025/7/4</a:t>
             </a:fld>
             <a:endParaRPr lang="zh-CN" altLang="en-US"/>
           </a:p>
@@ -1336,10 +1329,9 @@
           <a:lstStyle/>
           <a:p>
             <a:r>
-              <a:rPr lang="zh-CN" altLang="en-US" smtClean="0"/>
+              <a:rPr lang="zh-CN" altLang="en-US"/>
               <a:t>单击此处编辑母版标题样式</a:t>
             </a:r>
-            <a:endParaRPr lang="zh-CN" altLang="en-US"/>
           </a:p>
         </p:txBody>
       </p:sp>
@@ -1402,7 +1394,7 @@
           <a:p>
             <a:pPr lvl="0"/>
             <a:r>
-              <a:rPr lang="zh-CN" altLang="en-US" smtClean="0"/>
+              <a:rPr lang="zh-CN" altLang="en-US"/>
               <a:t>编辑母版文本样式</a:t>
             </a:r>
           </a:p>
@@ -1430,38 +1422,37 @@
           <a:p>
             <a:pPr lvl="0"/>
             <a:r>
-              <a:rPr lang="zh-CN" altLang="en-US" smtClean="0"/>
+              <a:rPr lang="zh-CN" altLang="en-US"/>
               <a:t>编辑母版文本样式</a:t>
             </a:r>
           </a:p>
           <a:p>
             <a:pPr lvl="1"/>
             <a:r>
-              <a:rPr lang="zh-CN" altLang="en-US" smtClean="0"/>
+              <a:rPr lang="zh-CN" altLang="en-US"/>
               <a:t>第二级</a:t>
             </a:r>
           </a:p>
           <a:p>
             <a:pPr lvl="2"/>
             <a:r>
-              <a:rPr lang="zh-CN" altLang="en-US" smtClean="0"/>
+              <a:rPr lang="zh-CN" altLang="en-US"/>
               <a:t>第三级</a:t>
             </a:r>
           </a:p>
           <a:p>
             <a:pPr lvl="3"/>
             <a:r>
-              <a:rPr lang="zh-CN" altLang="en-US" smtClean="0"/>
+              <a:rPr lang="zh-CN" altLang="en-US"/>
               <a:t>第四级</a:t>
             </a:r>
           </a:p>
           <a:p>
             <a:pPr lvl="4"/>
             <a:r>
-              <a:rPr lang="zh-CN" altLang="en-US" smtClean="0"/>
+              <a:rPr lang="zh-CN" altLang="en-US"/>
               <a:t>第五级</a:t>
             </a:r>
-            <a:endParaRPr lang="zh-CN" altLang="en-US"/>
           </a:p>
         </p:txBody>
       </p:sp>
@@ -1524,7 +1515,7 @@
           <a:p>
             <a:pPr lvl="0"/>
             <a:r>
-              <a:rPr lang="zh-CN" altLang="en-US" smtClean="0"/>
+              <a:rPr lang="zh-CN" altLang="en-US"/>
               <a:t>编辑母版文本样式</a:t>
             </a:r>
           </a:p>
@@ -1552,38 +1543,37 @@
           <a:p>
             <a:pPr lvl="0"/>
             <a:r>
-              <a:rPr lang="zh-CN" altLang="en-US" smtClean="0"/>
+              <a:rPr lang="zh-CN" altLang="en-US"/>
               <a:t>编辑母版文本样式</a:t>
             </a:r>
           </a:p>
           <a:p>
             <a:pPr lvl="1"/>
             <a:r>
-              <a:rPr lang="zh-CN" altLang="en-US" smtClean="0"/>
+              <a:rPr lang="zh-CN" altLang="en-US"/>
               <a:t>第二级</a:t>
             </a:r>
           </a:p>
           <a:p>
             <a:pPr lvl="2"/>
             <a:r>
-              <a:rPr lang="zh-CN" altLang="en-US" smtClean="0"/>
+              <a:rPr lang="zh-CN" altLang="en-US"/>
               <a:t>第三级</a:t>
             </a:r>
           </a:p>
           <a:p>
             <a:pPr lvl="3"/>
             <a:r>
-              <a:rPr lang="zh-CN" altLang="en-US" smtClean="0"/>
+              <a:rPr lang="zh-CN" altLang="en-US"/>
               <a:t>第四级</a:t>
             </a:r>
           </a:p>
           <a:p>
             <a:pPr lvl="4"/>
             <a:r>
-              <a:rPr lang="zh-CN" altLang="en-US" smtClean="0"/>
+              <a:rPr lang="zh-CN" altLang="en-US"/>
               <a:t>第五级</a:t>
             </a:r>
-            <a:endParaRPr lang="zh-CN" altLang="en-US"/>
           </a:p>
         </p:txBody>
       </p:sp>
@@ -1604,7 +1594,7 @@
           <a:p>
             <a:fld id="{B248617E-5511-4396-900D-3DB31ADAC6D9}" type="datetimeFigureOut">
               <a:rPr lang="zh-CN" altLang="en-US" smtClean="0"/>
-              <a:t>2025/7/3</a:t>
+              <a:t>2025/7/4</a:t>
             </a:fld>
             <a:endParaRPr lang="zh-CN" altLang="en-US"/>
           </a:p>
@@ -1698,10 +1688,9 @@
           <a:lstStyle/>
           <a:p>
             <a:r>
-              <a:rPr lang="zh-CN" altLang="en-US" smtClean="0"/>
+              <a:rPr lang="zh-CN" altLang="en-US"/>
               <a:t>单击此处编辑母版标题样式</a:t>
             </a:r>
-            <a:endParaRPr lang="zh-CN" altLang="en-US"/>
           </a:p>
         </p:txBody>
       </p:sp>
@@ -1722,7 +1711,7 @@
           <a:p>
             <a:fld id="{B248617E-5511-4396-900D-3DB31ADAC6D9}" type="datetimeFigureOut">
               <a:rPr lang="zh-CN" altLang="en-US" smtClean="0"/>
-              <a:t>2025/7/3</a:t>
+              <a:t>2025/7/4</a:t>
             </a:fld>
             <a:endParaRPr lang="zh-CN" altLang="en-US"/>
           </a:p>
@@ -1817,7 +1806,7 @@
           <a:p>
             <a:fld id="{B248617E-5511-4396-900D-3DB31ADAC6D9}" type="datetimeFigureOut">
               <a:rPr lang="zh-CN" altLang="en-US" smtClean="0"/>
-              <a:t>2025/7/3</a:t>
+              <a:t>2025/7/4</a:t>
             </a:fld>
             <a:endParaRPr lang="zh-CN" altLang="en-US"/>
           </a:p>
@@ -1920,10 +1909,9 @@
           </a:lstStyle>
           <a:p>
             <a:r>
-              <a:rPr lang="zh-CN" altLang="en-US" smtClean="0"/>
+              <a:rPr lang="zh-CN" altLang="en-US"/>
               <a:t>单击此处编辑母版标题样式</a:t>
             </a:r>
-            <a:endParaRPr lang="zh-CN" altLang="en-US"/>
           </a:p>
         </p:txBody>
       </p:sp>
@@ -1977,38 +1965,37 @@
           <a:p>
             <a:pPr lvl="0"/>
             <a:r>
-              <a:rPr lang="zh-CN" altLang="en-US" smtClean="0"/>
+              <a:rPr lang="zh-CN" altLang="en-US"/>
               <a:t>编辑母版文本样式</a:t>
             </a:r>
           </a:p>
           <a:p>
             <a:pPr lvl="1"/>
             <a:r>
-              <a:rPr lang="zh-CN" altLang="en-US" smtClean="0"/>
+              <a:rPr lang="zh-CN" altLang="en-US"/>
               <a:t>第二级</a:t>
             </a:r>
           </a:p>
           <a:p>
             <a:pPr lvl="2"/>
             <a:r>
-              <a:rPr lang="zh-CN" altLang="en-US" smtClean="0"/>
+              <a:rPr lang="zh-CN" altLang="en-US"/>
               <a:t>第三级</a:t>
             </a:r>
           </a:p>
           <a:p>
             <a:pPr lvl="3"/>
             <a:r>
-              <a:rPr lang="zh-CN" altLang="en-US" smtClean="0"/>
+              <a:rPr lang="zh-CN" altLang="en-US"/>
               <a:t>第四级</a:t>
             </a:r>
           </a:p>
           <a:p>
             <a:pPr lvl="4"/>
             <a:r>
-              <a:rPr lang="zh-CN" altLang="en-US" smtClean="0"/>
+              <a:rPr lang="zh-CN" altLang="en-US"/>
               <a:t>第五级</a:t>
             </a:r>
-            <a:endParaRPr lang="zh-CN" altLang="en-US"/>
           </a:p>
         </p:txBody>
       </p:sp>
@@ -2071,7 +2058,7 @@
           <a:p>
             <a:pPr lvl="0"/>
             <a:r>
-              <a:rPr lang="zh-CN" altLang="en-US" smtClean="0"/>
+              <a:rPr lang="zh-CN" altLang="en-US"/>
               <a:t>编辑母版文本样式</a:t>
             </a:r>
           </a:p>
@@ -2094,7 +2081,7 @@
           <a:p>
             <a:fld id="{B248617E-5511-4396-900D-3DB31ADAC6D9}" type="datetimeFigureOut">
               <a:rPr lang="zh-CN" altLang="en-US" smtClean="0"/>
-              <a:t>2025/7/3</a:t>
+              <a:t>2025/7/4</a:t>
             </a:fld>
             <a:endParaRPr lang="zh-CN" altLang="en-US"/>
           </a:p>
@@ -2197,10 +2184,9 @@
           </a:lstStyle>
           <a:p>
             <a:r>
-              <a:rPr lang="zh-CN" altLang="en-US" smtClean="0"/>
+              <a:rPr lang="zh-CN" altLang="en-US"/>
               <a:t>单击此处编辑母版标题样式</a:t>
             </a:r>
-            <a:endParaRPr lang="zh-CN" altLang="en-US"/>
           </a:p>
         </p:txBody>
       </p:sp>
@@ -2324,7 +2310,7 @@
           <a:p>
             <a:pPr lvl="0"/>
             <a:r>
-              <a:rPr lang="zh-CN" altLang="en-US" smtClean="0"/>
+              <a:rPr lang="zh-CN" altLang="en-US"/>
               <a:t>编辑母版文本样式</a:t>
             </a:r>
           </a:p>
@@ -2347,7 +2333,7 @@
           <a:p>
             <a:fld id="{B248617E-5511-4396-900D-3DB31ADAC6D9}" type="datetimeFigureOut">
               <a:rPr lang="zh-CN" altLang="en-US" smtClean="0"/>
-              <a:t>2025/7/3</a:t>
+              <a:t>2025/7/4</a:t>
             </a:fld>
             <a:endParaRPr lang="zh-CN" altLang="en-US"/>
           </a:p>
@@ -2456,10 +2442,9 @@
           <a:lstStyle/>
           <a:p>
             <a:r>
-              <a:rPr lang="zh-CN" altLang="en-US" smtClean="0"/>
+              <a:rPr lang="zh-CN" altLang="en-US"/>
               <a:t>单击此处编辑母版标题样式</a:t>
             </a:r>
-            <a:endParaRPr lang="zh-CN" altLang="en-US"/>
           </a:p>
         </p:txBody>
       </p:sp>
@@ -2490,38 +2475,37 @@
           <a:p>
             <a:pPr lvl="0"/>
             <a:r>
-              <a:rPr lang="zh-CN" altLang="en-US" smtClean="0"/>
+              <a:rPr lang="zh-CN" altLang="en-US"/>
               <a:t>编辑母版文本样式</a:t>
             </a:r>
           </a:p>
           <a:p>
             <a:pPr lvl="1"/>
             <a:r>
-              <a:rPr lang="zh-CN" altLang="en-US" smtClean="0"/>
+              <a:rPr lang="zh-CN" altLang="en-US"/>
               <a:t>第二级</a:t>
             </a:r>
           </a:p>
           <a:p>
             <a:pPr lvl="2"/>
             <a:r>
-              <a:rPr lang="zh-CN" altLang="en-US" smtClean="0"/>
+              <a:rPr lang="zh-CN" altLang="en-US"/>
               <a:t>第三级</a:t>
             </a:r>
           </a:p>
           <a:p>
             <a:pPr lvl="3"/>
             <a:r>
-              <a:rPr lang="zh-CN" altLang="en-US" smtClean="0"/>
+              <a:rPr lang="zh-CN" altLang="en-US"/>
               <a:t>第四级</a:t>
             </a:r>
           </a:p>
           <a:p>
             <a:pPr lvl="4"/>
             <a:r>
-              <a:rPr lang="zh-CN" altLang="en-US" smtClean="0"/>
+              <a:rPr lang="zh-CN" altLang="en-US"/>
               <a:t>第五级</a:t>
             </a:r>
-            <a:endParaRPr lang="zh-CN" altLang="en-US"/>
           </a:p>
         </p:txBody>
       </p:sp>
@@ -2560,7 +2544,7 @@
           <a:p>
             <a:fld id="{B248617E-5511-4396-900D-3DB31ADAC6D9}" type="datetimeFigureOut">
               <a:rPr lang="zh-CN" altLang="en-US" smtClean="0"/>
-              <a:t>2025/7/3</a:t>
+              <a:t>2025/7/4</a:t>
             </a:fld>
             <a:endParaRPr lang="zh-CN" altLang="en-US"/>
           </a:p>
@@ -2988,7 +2972,7 @@
           <a:lstStyle/>
           <a:p>
             <a:r>
-              <a:rPr lang="en-AU" altLang="zh-CN" sz="3200" dirty="0" smtClean="0">
+              <a:rPr lang="en-AU" altLang="zh-CN" sz="3200" dirty="0">
                 <a:latin typeface="Arial" panose="020B0604020202020204" pitchFamily="34" charset="0"/>
                 <a:cs typeface="Arial" panose="020B0604020202020204" pitchFamily="34" charset="0"/>
               </a:rPr>
@@ -3032,14 +3016,7 @@
                 <a:latin typeface="Arial" panose="020B0604020202020204" pitchFamily="34" charset="0"/>
                 <a:cs typeface="Arial" panose="020B0604020202020204" pitchFamily="34" charset="0"/>
               </a:rPr>
-              <a:t>B</a:t>
-            </a:r>
-            <a:r>
-              <a:rPr lang="en-AU" altLang="zh-CN" dirty="0" smtClean="0">
-                <a:latin typeface="Arial" panose="020B0604020202020204" pitchFamily="34" charset="0"/>
-                <a:cs typeface="Arial" panose="020B0604020202020204" pitchFamily="34" charset="0"/>
-              </a:rPr>
-              <a:t>etter policies and solutions for Australia’s housing challenges.</a:t>
+              <a:t>Better policies and solutions for Australia’s housing challenges.</a:t>
             </a:r>
             <a:endParaRPr lang="zh-CN" altLang="en-US" dirty="0">
               <a:latin typeface="Arial" panose="020B0604020202020204" pitchFamily="34" charset="0"/>
@@ -3115,30 +3092,6 @@
       </p:grpSpPr>
       <p:sp>
         <p:nvSpPr>
-          <p:cNvPr id="3" name="内容占位符 2"/>
-          <p:cNvSpPr>
-            <a:spLocks noGrp="1"/>
-          </p:cNvSpPr>
-          <p:nvPr>
-            <p:ph idx="1"/>
-          </p:nvPr>
-        </p:nvSpPr>
-        <p:spPr>
-          <a:xfrm>
-            <a:off x="838200" y="3529780"/>
-            <a:ext cx="10515600" cy="1978589"/>
-          </a:xfrm>
-        </p:spPr>
-        <p:txBody>
-          <a:bodyPr/>
-          <a:lstStyle/>
-          <a:p>
-            <a:endParaRPr lang="zh-CN" altLang="en-US" dirty="0"/>
-          </a:p>
-        </p:txBody>
-      </p:sp>
-      <p:sp>
-        <p:nvSpPr>
           <p:cNvPr id="4" name="副标题 2"/>
           <p:cNvSpPr txBox="1">
             <a:spLocks/>
@@ -3148,7 +3101,7 @@
         <p:spPr>
           <a:xfrm>
             <a:off x="838200" y="661731"/>
-            <a:ext cx="9144000" cy="2327787"/>
+            <a:ext cx="10541000" cy="2327787"/>
           </a:xfrm>
           <a:prstGeom prst="rect">
             <a:avLst/>
@@ -3327,7 +3280,7 @@
               <a:buNone/>
             </a:pPr>
             <a:r>
-              <a:rPr lang="en-AU" altLang="zh-CN" dirty="0" smtClean="0">
+              <a:rPr lang="en-AU" altLang="zh-CN" dirty="0">
                 <a:latin typeface="Arial" panose="020B0604020202020204" pitchFamily="34" charset="0"/>
                 <a:cs typeface="Arial" panose="020B0604020202020204" pitchFamily="34" charset="0"/>
               </a:rPr>
@@ -3339,7 +3292,7 @@
               <a:buNone/>
             </a:pPr>
             <a:r>
-              <a:rPr lang="en-AU" altLang="zh-CN" dirty="0" smtClean="0">
+              <a:rPr lang="en-AU" altLang="zh-CN" dirty="0">
                 <a:solidFill>
                   <a:srgbClr val="FF0000"/>
                 </a:solidFill>
@@ -3354,7 +3307,7 @@
               <a:buNone/>
             </a:pPr>
             <a:r>
-              <a:rPr lang="en-AU" altLang="zh-CN" dirty="0" smtClean="0">
+              <a:rPr lang="en-AU" altLang="zh-CN" dirty="0">
                 <a:latin typeface="Arial" panose="020B0604020202020204" pitchFamily="34" charset="0"/>
                 <a:cs typeface="Arial" panose="020B0604020202020204" pitchFamily="34" charset="0"/>
               </a:rPr>
@@ -3366,7 +3319,7 @@
               <a:buNone/>
             </a:pPr>
             <a:r>
-              <a:rPr lang="en-AU" altLang="zh-CN" dirty="0" smtClean="0">
+              <a:rPr lang="en-AU" altLang="zh-CN" dirty="0">
                 <a:latin typeface="Arial" panose="020B0604020202020204" pitchFamily="34" charset="0"/>
                 <a:cs typeface="Arial" panose="020B0604020202020204" pitchFamily="34" charset="0"/>
               </a:rPr>
@@ -3378,13 +3331,283 @@
               <a:buNone/>
             </a:pPr>
             <a:r>
-              <a:rPr lang="en-AU" altLang="zh-CN" dirty="0" smtClean="0">
+              <a:rPr lang="en-AU" altLang="zh-CN" dirty="0">
                 <a:latin typeface="Arial" panose="020B0604020202020204" pitchFamily="34" charset="0"/>
                 <a:cs typeface="Arial" panose="020B0604020202020204" pitchFamily="34" charset="0"/>
               </a:rPr>
               <a:t>Suburbs</a:t>
             </a:r>
             <a:endParaRPr lang="zh-CN" altLang="en-US" dirty="0">
+              <a:latin typeface="Arial" panose="020B0604020202020204" pitchFamily="34" charset="0"/>
+              <a:cs typeface="Arial" panose="020B0604020202020204" pitchFamily="34" charset="0"/>
+            </a:endParaRPr>
+          </a:p>
+        </p:txBody>
+      </p:sp>
+      <p:sp>
+        <p:nvSpPr>
+          <p:cNvPr id="2" name="副标题 2">
+            <a:extLst>
+              <a:ext uri="{FF2B5EF4-FFF2-40B4-BE49-F238E27FC236}">
+                <a16:creationId xmlns:a16="http://schemas.microsoft.com/office/drawing/2014/main" id="{61D6C4CD-A258-D879-DFEF-D724B8D283C7}"/>
+              </a:ext>
+            </a:extLst>
+          </p:cNvPr>
+          <p:cNvSpPr txBox="1">
+            <a:spLocks/>
+          </p:cNvSpPr>
+          <p:nvPr/>
+        </p:nvSpPr>
+        <p:spPr>
+          <a:xfrm>
+            <a:off x="838199" y="3670219"/>
+            <a:ext cx="10540999" cy="2327787"/>
+          </a:xfrm>
+          <a:prstGeom prst="rect">
+            <a:avLst/>
+          </a:prstGeom>
+        </p:spPr>
+        <p:txBody>
+          <a:bodyPr vert="horz" lIns="91440" tIns="45720" rIns="91440" bIns="45720" rtlCol="0">
+            <a:normAutofit/>
+          </a:bodyPr>
+          <a:lstStyle>
+            <a:lvl1pPr marL="228600" indent="-228600" algn="l" defTabSz="914400" rtl="0" eaLnBrk="1" latinLnBrk="0" hangingPunct="1">
+              <a:lnSpc>
+                <a:spcPct val="90000"/>
+              </a:lnSpc>
+              <a:spcBef>
+                <a:spcPts val="1000"/>
+              </a:spcBef>
+              <a:buFont typeface="Arial" panose="020B0604020202020204" pitchFamily="34" charset="0"/>
+              <a:buChar char="•"/>
+              <a:defRPr sz="2800" kern="1200">
+                <a:solidFill>
+                  <a:schemeClr val="tx1"/>
+                </a:solidFill>
+                <a:latin typeface="+mn-lt"/>
+                <a:ea typeface="+mn-ea"/>
+                <a:cs typeface="+mn-cs"/>
+              </a:defRPr>
+            </a:lvl1pPr>
+            <a:lvl2pPr marL="685800" indent="-228600" algn="l" defTabSz="914400" rtl="0" eaLnBrk="1" latinLnBrk="0" hangingPunct="1">
+              <a:lnSpc>
+                <a:spcPct val="90000"/>
+              </a:lnSpc>
+              <a:spcBef>
+                <a:spcPts val="500"/>
+              </a:spcBef>
+              <a:buFont typeface="Arial" panose="020B0604020202020204" pitchFamily="34" charset="0"/>
+              <a:buChar char="•"/>
+              <a:defRPr sz="2400" kern="1200">
+                <a:solidFill>
+                  <a:schemeClr val="tx1"/>
+                </a:solidFill>
+                <a:latin typeface="+mn-lt"/>
+                <a:ea typeface="+mn-ea"/>
+                <a:cs typeface="+mn-cs"/>
+              </a:defRPr>
+            </a:lvl2pPr>
+            <a:lvl3pPr marL="1143000" indent="-228600" algn="l" defTabSz="914400" rtl="0" eaLnBrk="1" latinLnBrk="0" hangingPunct="1">
+              <a:lnSpc>
+                <a:spcPct val="90000"/>
+              </a:lnSpc>
+              <a:spcBef>
+                <a:spcPts val="500"/>
+              </a:spcBef>
+              <a:buFont typeface="Arial" panose="020B0604020202020204" pitchFamily="34" charset="0"/>
+              <a:buChar char="•"/>
+              <a:defRPr sz="2000" kern="1200">
+                <a:solidFill>
+                  <a:schemeClr val="tx1"/>
+                </a:solidFill>
+                <a:latin typeface="+mn-lt"/>
+                <a:ea typeface="+mn-ea"/>
+                <a:cs typeface="+mn-cs"/>
+              </a:defRPr>
+            </a:lvl3pPr>
+            <a:lvl4pPr marL="1600200" indent="-228600" algn="l" defTabSz="914400" rtl="0" eaLnBrk="1" latinLnBrk="0" hangingPunct="1">
+              <a:lnSpc>
+                <a:spcPct val="90000"/>
+              </a:lnSpc>
+              <a:spcBef>
+                <a:spcPts val="500"/>
+              </a:spcBef>
+              <a:buFont typeface="Arial" panose="020B0604020202020204" pitchFamily="34" charset="0"/>
+              <a:buChar char="•"/>
+              <a:defRPr sz="1800" kern="1200">
+                <a:solidFill>
+                  <a:schemeClr val="tx1"/>
+                </a:solidFill>
+                <a:latin typeface="+mn-lt"/>
+                <a:ea typeface="+mn-ea"/>
+                <a:cs typeface="+mn-cs"/>
+              </a:defRPr>
+            </a:lvl4pPr>
+            <a:lvl5pPr marL="2057400" indent="-228600" algn="l" defTabSz="914400" rtl="0" eaLnBrk="1" latinLnBrk="0" hangingPunct="1">
+              <a:lnSpc>
+                <a:spcPct val="90000"/>
+              </a:lnSpc>
+              <a:spcBef>
+                <a:spcPts val="500"/>
+              </a:spcBef>
+              <a:buFont typeface="Arial" panose="020B0604020202020204" pitchFamily="34" charset="0"/>
+              <a:buChar char="•"/>
+              <a:defRPr sz="1800" kern="1200">
+                <a:solidFill>
+                  <a:schemeClr val="tx1"/>
+                </a:solidFill>
+                <a:latin typeface="+mn-lt"/>
+                <a:ea typeface="+mn-ea"/>
+                <a:cs typeface="+mn-cs"/>
+              </a:defRPr>
+            </a:lvl5pPr>
+            <a:lvl6pPr marL="2514600" indent="-228600" algn="l" defTabSz="914400" rtl="0" eaLnBrk="1" latinLnBrk="0" hangingPunct="1">
+              <a:lnSpc>
+                <a:spcPct val="90000"/>
+              </a:lnSpc>
+              <a:spcBef>
+                <a:spcPts val="500"/>
+              </a:spcBef>
+              <a:buFont typeface="Arial" panose="020B0604020202020204" pitchFamily="34" charset="0"/>
+              <a:buChar char="•"/>
+              <a:defRPr sz="1800" kern="1200">
+                <a:solidFill>
+                  <a:schemeClr val="tx1"/>
+                </a:solidFill>
+                <a:latin typeface="+mn-lt"/>
+                <a:ea typeface="+mn-ea"/>
+                <a:cs typeface="+mn-cs"/>
+              </a:defRPr>
+            </a:lvl6pPr>
+            <a:lvl7pPr marL="2971800" indent="-228600" algn="l" defTabSz="914400" rtl="0" eaLnBrk="1" latinLnBrk="0" hangingPunct="1">
+              <a:lnSpc>
+                <a:spcPct val="90000"/>
+              </a:lnSpc>
+              <a:spcBef>
+                <a:spcPts val="500"/>
+              </a:spcBef>
+              <a:buFont typeface="Arial" panose="020B0604020202020204" pitchFamily="34" charset="0"/>
+              <a:buChar char="•"/>
+              <a:defRPr sz="1800" kern="1200">
+                <a:solidFill>
+                  <a:schemeClr val="tx1"/>
+                </a:solidFill>
+                <a:latin typeface="+mn-lt"/>
+                <a:ea typeface="+mn-ea"/>
+                <a:cs typeface="+mn-cs"/>
+              </a:defRPr>
+            </a:lvl7pPr>
+            <a:lvl8pPr marL="3429000" indent="-228600" algn="l" defTabSz="914400" rtl="0" eaLnBrk="1" latinLnBrk="0" hangingPunct="1">
+              <a:lnSpc>
+                <a:spcPct val="90000"/>
+              </a:lnSpc>
+              <a:spcBef>
+                <a:spcPts val="500"/>
+              </a:spcBef>
+              <a:buFont typeface="Arial" panose="020B0604020202020204" pitchFamily="34" charset="0"/>
+              <a:buChar char="•"/>
+              <a:defRPr sz="1800" kern="1200">
+                <a:solidFill>
+                  <a:schemeClr val="tx1"/>
+                </a:solidFill>
+                <a:latin typeface="+mn-lt"/>
+                <a:ea typeface="+mn-ea"/>
+                <a:cs typeface="+mn-cs"/>
+              </a:defRPr>
+            </a:lvl8pPr>
+            <a:lvl9pPr marL="3886200" indent="-228600" algn="l" defTabSz="914400" rtl="0" eaLnBrk="1" latinLnBrk="0" hangingPunct="1">
+              <a:lnSpc>
+                <a:spcPct val="90000"/>
+              </a:lnSpc>
+              <a:spcBef>
+                <a:spcPts val="500"/>
+              </a:spcBef>
+              <a:buFont typeface="Arial" panose="020B0604020202020204" pitchFamily="34" charset="0"/>
+              <a:buChar char="•"/>
+              <a:defRPr sz="1800" kern="1200">
+                <a:solidFill>
+                  <a:schemeClr val="tx1"/>
+                </a:solidFill>
+                <a:latin typeface="+mn-lt"/>
+                <a:ea typeface="+mn-ea"/>
+                <a:cs typeface="+mn-cs"/>
+              </a:defRPr>
+            </a:lvl9pPr>
+          </a:lstStyle>
+          <a:p>
+            <a:pPr marL="0" indent="0">
+              <a:buNone/>
+            </a:pPr>
+            <a:r>
+              <a:rPr lang="en-US" altLang="zh-CN" dirty="0">
+                <a:latin typeface="Arial" panose="020B0604020202020204" pitchFamily="34" charset="0"/>
+                <a:cs typeface="Arial" panose="020B0604020202020204" pitchFamily="34" charset="0"/>
+              </a:rPr>
+              <a:t>How do </a:t>
+            </a:r>
+            <a:r>
+              <a:rPr lang="en-AU" altLang="zh-CN" dirty="0">
+                <a:latin typeface="Arial" panose="020B0604020202020204" pitchFamily="34" charset="0"/>
+                <a:cs typeface="Arial" panose="020B0604020202020204" pitchFamily="34" charset="0"/>
+              </a:rPr>
+              <a:t>property prices</a:t>
+            </a:r>
+            <a:r>
+              <a:rPr lang="en-US" altLang="zh-CN" dirty="0">
+                <a:latin typeface="Arial" panose="020B0604020202020204" pitchFamily="34" charset="0"/>
+                <a:cs typeface="Arial" panose="020B0604020202020204" pitchFamily="34" charset="0"/>
+              </a:rPr>
+              <a:t> influence </a:t>
+            </a:r>
+            <a:r>
+              <a:rPr lang="en-AU" b="0" i="0" dirty="0">
+                <a:solidFill>
+                  <a:srgbClr val="000000"/>
+                </a:solidFill>
+                <a:effectLst/>
+                <a:latin typeface="Arial" panose="020B0604020202020204" pitchFamily="34" charset="0"/>
+                <a:cs typeface="Arial" panose="020B0604020202020204" pitchFamily="34" charset="0"/>
+              </a:rPr>
+              <a:t>housing affordability</a:t>
+            </a:r>
+            <a:r>
+              <a:rPr lang="zh-CN" altLang="en-US" b="0" i="0" dirty="0">
+                <a:solidFill>
+                  <a:srgbClr val="000000"/>
+                </a:solidFill>
+                <a:effectLst/>
+                <a:latin typeface="Arial" panose="020B0604020202020204" pitchFamily="34" charset="0"/>
+                <a:cs typeface="Arial" panose="020B0604020202020204" pitchFamily="34" charset="0"/>
+              </a:rPr>
+              <a:t> </a:t>
+            </a:r>
+            <a:r>
+              <a:rPr lang="en-US" altLang="zh-CN" b="0" i="0" dirty="0">
+                <a:solidFill>
+                  <a:srgbClr val="000000"/>
+                </a:solidFill>
+                <a:effectLst/>
+                <a:latin typeface="Arial" panose="020B0604020202020204" pitchFamily="34" charset="0"/>
+                <a:cs typeface="Arial" panose="020B0604020202020204" pitchFamily="34" charset="0"/>
+              </a:rPr>
+              <a:t>in Australia</a:t>
+            </a:r>
+            <a:r>
+              <a:rPr lang="en-AU" b="0" i="0" dirty="0">
+                <a:solidFill>
+                  <a:srgbClr val="000000"/>
+                </a:solidFill>
+                <a:effectLst/>
+                <a:latin typeface="Arial" panose="020B0604020202020204" pitchFamily="34" charset="0"/>
+                <a:cs typeface="Arial" panose="020B0604020202020204" pitchFamily="34" charset="0"/>
+              </a:rPr>
+              <a:t>?</a:t>
+            </a:r>
+            <a:endParaRPr lang="en-AU" altLang="zh-CN" dirty="0">
+              <a:solidFill>
+                <a:srgbClr val="FF0000"/>
+              </a:solidFill>
               <a:latin typeface="Arial" panose="020B0604020202020204" pitchFamily="34" charset="0"/>
               <a:cs typeface="Arial" panose="020B0604020202020204" pitchFamily="34" charset="0"/>
             </a:endParaRPr>
